--- a/SocketIOChat/SocketIO.pptx
+++ b/SocketIOChat/SocketIO.pptx
@@ -288,7 +288,7 @@
           <a:p>
             <a:fld id="{48A87A34-81AB-432B-8DAE-1953F412C126}" type="datetimeFigureOut">
               <a:rPr lang="en-US" dirty="0"/>
-              <a:t>11/19/19</a:t>
+              <a:t>3/7/20</a:t>
             </a:fld>
             <a:endParaRPr lang="en-US" dirty="0"/>
           </a:p>
@@ -550,7 +550,7 @@
           <a:p>
             <a:fld id="{48A87A34-81AB-432B-8DAE-1953F412C126}" type="datetimeFigureOut">
               <a:rPr lang="en-US" dirty="0"/>
-              <a:t>11/19/19</a:t>
+              <a:t>3/7/20</a:t>
             </a:fld>
             <a:endParaRPr lang="en-US" dirty="0"/>
           </a:p>
@@ -777,7 +777,7 @@
             <a:fld id="{48A87A34-81AB-432B-8DAE-1953F412C126}" type="datetimeFigureOut">
               <a:rPr lang="en-US" dirty="0"/>
               <a:pPr/>
-              <a:t>11/19/19</a:t>
+              <a:t>3/7/20</a:t>
             </a:fld>
             <a:endParaRPr lang="en-US" dirty="0"/>
           </a:p>
@@ -1083,7 +1083,7 @@
             <a:fld id="{48A87A34-81AB-432B-8DAE-1953F412C126}" type="datetimeFigureOut">
               <a:rPr lang="en-US" dirty="0"/>
               <a:pPr/>
-              <a:t>11/19/19</a:t>
+              <a:t>3/7/20</a:t>
             </a:fld>
             <a:endParaRPr lang="en-US" dirty="0"/>
           </a:p>
@@ -1552,7 +1552,7 @@
             <a:fld id="{48A87A34-81AB-432B-8DAE-1953F412C126}" type="datetimeFigureOut">
               <a:rPr lang="en-US" dirty="0"/>
               <a:pPr/>
-              <a:t>11/19/19</a:t>
+              <a:t>3/7/20</a:t>
             </a:fld>
             <a:endParaRPr lang="en-US" dirty="0"/>
           </a:p>
@@ -2094,7 +2094,7 @@
           <a:p>
             <a:fld id="{48A87A34-81AB-432B-8DAE-1953F412C126}" type="datetimeFigureOut">
               <a:rPr lang="en-US" dirty="0"/>
-              <a:t>11/19/19</a:t>
+              <a:t>3/7/20</a:t>
             </a:fld>
             <a:endParaRPr lang="en-US" dirty="0"/>
           </a:p>
@@ -2863,7 +2863,7 @@
           <a:p>
             <a:fld id="{48A87A34-81AB-432B-8DAE-1953F412C126}" type="datetimeFigureOut">
               <a:rPr lang="en-US" dirty="0"/>
-              <a:t>11/19/19</a:t>
+              <a:t>3/7/20</a:t>
             </a:fld>
             <a:endParaRPr lang="en-US" dirty="0"/>
           </a:p>
@@ -3033,7 +3033,7 @@
           <a:p>
             <a:fld id="{48A87A34-81AB-432B-8DAE-1953F412C126}" type="datetimeFigureOut">
               <a:rPr lang="en-US" dirty="0"/>
-              <a:t>11/19/19</a:t>
+              <a:t>3/7/20</a:t>
             </a:fld>
             <a:endParaRPr lang="en-US" dirty="0"/>
           </a:p>
@@ -3252,7 +3252,7 @@
             <a:fld id="{48A87A34-81AB-432B-8DAE-1953F412C126}" type="datetimeFigureOut">
               <a:rPr lang="en-US" dirty="0"/>
               <a:pPr/>
-              <a:t>11/19/19</a:t>
+              <a:t>3/7/20</a:t>
             </a:fld>
             <a:endParaRPr lang="en-US" dirty="0"/>
           </a:p>
@@ -3427,7 +3427,7 @@
           <a:p>
             <a:fld id="{48A87A34-81AB-432B-8DAE-1953F412C126}" type="datetimeFigureOut">
               <a:rPr lang="en-US" dirty="0"/>
-              <a:t>11/19/19</a:t>
+              <a:t>3/7/20</a:t>
             </a:fld>
             <a:endParaRPr lang="en-US" dirty="0"/>
           </a:p>
@@ -3712,7 +3712,7 @@
             <a:fld id="{48A87A34-81AB-432B-8DAE-1953F412C126}" type="datetimeFigureOut">
               <a:rPr lang="en-US" dirty="0"/>
               <a:pPr/>
-              <a:t>11/19/19</a:t>
+              <a:t>3/7/20</a:t>
             </a:fld>
             <a:endParaRPr lang="en-US" dirty="0"/>
           </a:p>
@@ -3949,7 +3949,7 @@
           <a:p>
             <a:fld id="{48A87A34-81AB-432B-8DAE-1953F412C126}" type="datetimeFigureOut">
               <a:rPr lang="en-US" dirty="0"/>
-              <a:t>11/19/19</a:t>
+              <a:t>3/7/20</a:t>
             </a:fld>
             <a:endParaRPr lang="en-US" dirty="0"/>
           </a:p>
@@ -4323,7 +4323,7 @@
           <a:p>
             <a:fld id="{48A87A34-81AB-432B-8DAE-1953F412C126}" type="datetimeFigureOut">
               <a:rPr lang="en-US" dirty="0"/>
-              <a:t>11/19/19</a:t>
+              <a:t>3/7/20</a:t>
             </a:fld>
             <a:endParaRPr lang="en-US" dirty="0"/>
           </a:p>
@@ -4436,7 +4436,7 @@
           <a:p>
             <a:fld id="{48A87A34-81AB-432B-8DAE-1953F412C126}" type="datetimeFigureOut">
               <a:rPr lang="en-US" dirty="0"/>
-              <a:t>11/19/19</a:t>
+              <a:t>3/7/20</a:t>
             </a:fld>
             <a:endParaRPr lang="en-US" dirty="0"/>
           </a:p>
@@ -4526,7 +4526,7 @@
           <a:p>
             <a:fld id="{48A87A34-81AB-432B-8DAE-1953F412C126}" type="datetimeFigureOut">
               <a:rPr lang="en-US" dirty="0"/>
-              <a:t>11/19/19</a:t>
+              <a:t>3/7/20</a:t>
             </a:fld>
             <a:endParaRPr lang="en-US" dirty="0"/>
           </a:p>
@@ -4770,7 +4770,7 @@
           <a:p>
             <a:fld id="{48A87A34-81AB-432B-8DAE-1953F412C126}" type="datetimeFigureOut">
               <a:rPr lang="en-US" dirty="0"/>
-              <a:t>11/19/19</a:t>
+              <a:t>3/7/20</a:t>
             </a:fld>
             <a:endParaRPr lang="en-US" dirty="0"/>
           </a:p>
@@ -5022,7 +5022,7 @@
           <a:p>
             <a:fld id="{48A87A34-81AB-432B-8DAE-1953F412C126}" type="datetimeFigureOut">
               <a:rPr lang="en-US" dirty="0"/>
-              <a:t>11/19/19</a:t>
+              <a:t>3/7/20</a:t>
             </a:fld>
             <a:endParaRPr lang="en-US" dirty="0"/>
           </a:p>
@@ -5261,7 +5261,7 @@
             <a:fld id="{48A87A34-81AB-432B-8DAE-1953F412C126}" type="datetimeFigureOut">
               <a:rPr lang="en-US" dirty="0"/>
               <a:pPr/>
-              <a:t>11/19/19</a:t>
+              <a:t>3/7/20</a:t>
             </a:fld>
             <a:endParaRPr lang="en-US" dirty="0"/>
           </a:p>
@@ -5941,7 +5941,21 @@
                 <a:latin typeface="Arial" panose="020B0604020202020204" pitchFamily="34" charset="0"/>
                 <a:cs typeface="Arial" panose="020B0604020202020204" pitchFamily="34" charset="0"/>
               </a:rPr>
-              <a:t> bang JavaScript </a:t>
+              <a:t> </a:t>
+            </a:r>
+            <a:r>
+              <a:rPr lang="en-US" dirty="0" err="1">
+                <a:latin typeface="Arial" panose="020B0604020202020204" pitchFamily="34" charset="0"/>
+                <a:cs typeface="Arial" panose="020B0604020202020204" pitchFamily="34" charset="0"/>
+              </a:rPr>
+              <a:t>bằng</a:t>
+            </a:r>
+            <a:r>
+              <a:rPr lang="en-US" dirty="0">
+                <a:latin typeface="Arial" panose="020B0604020202020204" pitchFamily="34" charset="0"/>
+                <a:cs typeface="Arial" panose="020B0604020202020204" pitchFamily="34" charset="0"/>
+              </a:rPr>
+              <a:t> JavaScript </a:t>
             </a:r>
             <a:r>
               <a:rPr lang="en-US" dirty="0" err="1">
@@ -6662,7 +6676,21 @@
                 <a:latin typeface="Arial" panose="020B0604020202020204" pitchFamily="34" charset="0"/>
                 <a:cs typeface="Arial" panose="020B0604020202020204" pitchFamily="34" charset="0"/>
               </a:rPr>
-              <a:t> lieu </a:t>
+              <a:t> </a:t>
+            </a:r>
+            <a:r>
+              <a:rPr lang="en-US" dirty="0" err="1">
+                <a:latin typeface="Arial" panose="020B0604020202020204" pitchFamily="34" charset="0"/>
+                <a:cs typeface="Arial" panose="020B0604020202020204" pitchFamily="34" charset="0"/>
+              </a:rPr>
+              <a:t>liệu</a:t>
+            </a:r>
+            <a:r>
+              <a:rPr lang="en-US" dirty="0">
+                <a:latin typeface="Arial" panose="020B0604020202020204" pitchFamily="34" charset="0"/>
+                <a:cs typeface="Arial" panose="020B0604020202020204" pitchFamily="34" charset="0"/>
+              </a:rPr>
+              <a:t> </a:t>
             </a:r>
             <a:r>
               <a:rPr lang="en-US" dirty="0" err="1">
@@ -7237,7 +7265,7 @@
                 <a:latin typeface="Arial" panose="020B0604020202020204" pitchFamily="34" charset="0"/>
                 <a:cs typeface="Arial" panose="020B0604020202020204" pitchFamily="34" charset="0"/>
               </a:rPr>
-              <a:t>Gưi</a:t>
+              <a:t>Gửi</a:t>
             </a:r>
             <a:r>
               <a:rPr lang="en-US" dirty="0">
